--- a/assets uarm/2017-2018 filrel-etica/Kant intro crp prefmc.pptx
+++ b/assets uarm/2017-2018 filrel-etica/Kant intro crp prefmc.pptx
@@ -114,6 +114,22 @@
       </a:defRPr>
     </a:lvl9pPr>
   </p:defaultTextStyle>
+  <p:extLst>
+    <p:ext uri="{EFAFB233-063F-42B5-8137-9DF3F51BA10A}">
+      <p15:sldGuideLst xmlns:p15="http://schemas.microsoft.com/office/powerpoint/2012/main">
+        <p15:guide id="1" orient="horz" pos="2160">
+          <p15:clr>
+            <a:srgbClr val="A4A3A4"/>
+          </p15:clr>
+        </p15:guide>
+        <p15:guide id="2" pos="2880">
+          <p15:clr>
+            <a:srgbClr val="A4A3A4"/>
+          </p15:clr>
+        </p15:guide>
+      </p15:sldGuideLst>
+    </p:ext>
+  </p:extLst>
 </p:presentation>
 </file>
 
@@ -299,7 +315,7 @@
             <a:fld id="{0CE51B5F-2EC2-45DF-AB75-99A90E626838}" type="datetimeFigureOut">
               <a:rPr lang="es-PE" smtClean="0"/>
               <a:pPr/>
-              <a:t>21/09/2018</a:t>
+              <a:t>20/10/2019</a:t>
             </a:fld>
             <a:endParaRPr lang="es-PE"/>
           </a:p>
@@ -466,7 +482,7 @@
             <a:fld id="{0CE51B5F-2EC2-45DF-AB75-99A90E626838}" type="datetimeFigureOut">
               <a:rPr lang="es-PE" smtClean="0"/>
               <a:pPr/>
-              <a:t>21/09/2018</a:t>
+              <a:t>20/10/2019</a:t>
             </a:fld>
             <a:endParaRPr lang="es-PE"/>
           </a:p>
@@ -643,7 +659,7 @@
             <a:fld id="{0CE51B5F-2EC2-45DF-AB75-99A90E626838}" type="datetimeFigureOut">
               <a:rPr lang="es-PE" smtClean="0"/>
               <a:pPr/>
-              <a:t>21/09/2018</a:t>
+              <a:t>20/10/2019</a:t>
             </a:fld>
             <a:endParaRPr lang="es-PE"/>
           </a:p>
@@ -810,7 +826,7 @@
             <a:fld id="{0CE51B5F-2EC2-45DF-AB75-99A90E626838}" type="datetimeFigureOut">
               <a:rPr lang="es-PE" smtClean="0"/>
               <a:pPr/>
-              <a:t>21/09/2018</a:t>
+              <a:t>20/10/2019</a:t>
             </a:fld>
             <a:endParaRPr lang="es-PE"/>
           </a:p>
@@ -1053,7 +1069,7 @@
             <a:fld id="{0CE51B5F-2EC2-45DF-AB75-99A90E626838}" type="datetimeFigureOut">
               <a:rPr lang="es-PE" smtClean="0"/>
               <a:pPr/>
-              <a:t>21/09/2018</a:t>
+              <a:t>20/10/2019</a:t>
             </a:fld>
             <a:endParaRPr lang="es-PE"/>
           </a:p>
@@ -1338,7 +1354,7 @@
             <a:fld id="{0CE51B5F-2EC2-45DF-AB75-99A90E626838}" type="datetimeFigureOut">
               <a:rPr lang="es-PE" smtClean="0"/>
               <a:pPr/>
-              <a:t>21/09/2018</a:t>
+              <a:t>20/10/2019</a:t>
             </a:fld>
             <a:endParaRPr lang="es-PE"/>
           </a:p>
@@ -1757,7 +1773,7 @@
             <a:fld id="{0CE51B5F-2EC2-45DF-AB75-99A90E626838}" type="datetimeFigureOut">
               <a:rPr lang="es-PE" smtClean="0"/>
               <a:pPr/>
-              <a:t>21/09/2018</a:t>
+              <a:t>20/10/2019</a:t>
             </a:fld>
             <a:endParaRPr lang="es-PE"/>
           </a:p>
@@ -1872,7 +1888,7 @@
             <a:fld id="{0CE51B5F-2EC2-45DF-AB75-99A90E626838}" type="datetimeFigureOut">
               <a:rPr lang="es-PE" smtClean="0"/>
               <a:pPr/>
-              <a:t>21/09/2018</a:t>
+              <a:t>20/10/2019</a:t>
             </a:fld>
             <a:endParaRPr lang="es-PE"/>
           </a:p>
@@ -1964,7 +1980,7 @@
             <a:fld id="{0CE51B5F-2EC2-45DF-AB75-99A90E626838}" type="datetimeFigureOut">
               <a:rPr lang="es-PE" smtClean="0"/>
               <a:pPr/>
-              <a:t>21/09/2018</a:t>
+              <a:t>20/10/2019</a:t>
             </a:fld>
             <a:endParaRPr lang="es-PE"/>
           </a:p>
@@ -2238,7 +2254,7 @@
             <a:fld id="{0CE51B5F-2EC2-45DF-AB75-99A90E626838}" type="datetimeFigureOut">
               <a:rPr lang="es-PE" smtClean="0"/>
               <a:pPr/>
-              <a:t>21/09/2018</a:t>
+              <a:t>20/10/2019</a:t>
             </a:fld>
             <a:endParaRPr lang="es-PE"/>
           </a:p>
@@ -2488,7 +2504,7 @@
             <a:fld id="{0CE51B5F-2EC2-45DF-AB75-99A90E626838}" type="datetimeFigureOut">
               <a:rPr lang="es-PE" smtClean="0"/>
               <a:pPr/>
-              <a:t>21/09/2018</a:t>
+              <a:t>20/10/2019</a:t>
             </a:fld>
             <a:endParaRPr lang="es-PE"/>
           </a:p>
@@ -2698,7 +2714,7 @@
             <a:fld id="{0CE51B5F-2EC2-45DF-AB75-99A90E626838}" type="datetimeFigureOut">
               <a:rPr lang="es-PE" smtClean="0"/>
               <a:pPr/>
-              <a:t>21/09/2018</a:t>
+              <a:t>20/10/2019</a:t>
             </a:fld>
             <a:endParaRPr lang="es-PE"/>
           </a:p>
@@ -3360,6 +3376,52 @@
           <a:effectLst/>
         </p:spPr>
       </p:pic>
+      <p:sp>
+        <p:nvSpPr>
+          <p:cNvPr id="2" name="Rectángulo 1"/>
+          <p:cNvSpPr/>
+          <p:nvPr/>
+        </p:nvSpPr>
+        <p:spPr>
+          <a:xfrm>
+            <a:off x="3707904" y="2924944"/>
+            <a:ext cx="3528392" cy="936104"/>
+          </a:xfrm>
+          <a:prstGeom prst="rect">
+            <a:avLst/>
+          </a:prstGeom>
+          <a:solidFill>
+            <a:schemeClr val="bg1"/>
+          </a:solidFill>
+          <a:ln>
+            <a:noFill/>
+          </a:ln>
+        </p:spPr>
+        <p:style>
+          <a:lnRef idx="2">
+            <a:schemeClr val="accent1">
+              <a:shade val="50000"/>
+            </a:schemeClr>
+          </a:lnRef>
+          <a:fillRef idx="1">
+            <a:schemeClr val="accent1"/>
+          </a:fillRef>
+          <a:effectRef idx="0">
+            <a:schemeClr val="accent1"/>
+          </a:effectRef>
+          <a:fontRef idx="minor">
+            <a:schemeClr val="lt1"/>
+          </a:fontRef>
+        </p:style>
+        <p:txBody>
+          <a:bodyPr rtlCol="0" anchor="ctr"/>
+          <a:lstStyle/>
+          <a:p>
+            <a:pPr algn="ctr"/>
+            <a:endParaRPr lang="es-PE"/>
+          </a:p>
+        </p:txBody>
+      </p:sp>
     </p:spTree>
   </p:cSld>
   <p:clrMapOvr>
